--- a/docs/slides/3-performance.pptx
+++ b/docs/slides/3-performance.pptx
@@ -5,32 +5,33 @@
     <p:sldMasterId id="2147483648" r:id="rId1"/>
   </p:sldMasterIdLst>
   <p:notesMasterIdLst>
-    <p:notesMasterId r:id="rId25"/>
+    <p:notesMasterId r:id="rId26"/>
   </p:notesMasterIdLst>
   <p:sldIdLst>
     <p:sldId id="256" r:id="rId2"/>
-    <p:sldId id="442" r:id="rId3"/>
-    <p:sldId id="257" r:id="rId4"/>
-    <p:sldId id="443" r:id="rId5"/>
-    <p:sldId id="326" r:id="rId6"/>
-    <p:sldId id="258" r:id="rId7"/>
-    <p:sldId id="259" r:id="rId8"/>
-    <p:sldId id="260" r:id="rId9"/>
-    <p:sldId id="269" r:id="rId10"/>
-    <p:sldId id="261" r:id="rId11"/>
-    <p:sldId id="268" r:id="rId12"/>
-    <p:sldId id="284" r:id="rId13"/>
-    <p:sldId id="283" r:id="rId14"/>
-    <p:sldId id="264" r:id="rId15"/>
-    <p:sldId id="265" r:id="rId16"/>
-    <p:sldId id="263" r:id="rId17"/>
-    <p:sldId id="262" r:id="rId18"/>
-    <p:sldId id="266" r:id="rId19"/>
-    <p:sldId id="271" r:id="rId20"/>
-    <p:sldId id="310" r:id="rId21"/>
-    <p:sldId id="444" r:id="rId22"/>
-    <p:sldId id="312" r:id="rId23"/>
-    <p:sldId id="440" r:id="rId24"/>
+    <p:sldId id="445" r:id="rId3"/>
+    <p:sldId id="442" r:id="rId4"/>
+    <p:sldId id="257" r:id="rId5"/>
+    <p:sldId id="443" r:id="rId6"/>
+    <p:sldId id="326" r:id="rId7"/>
+    <p:sldId id="258" r:id="rId8"/>
+    <p:sldId id="259" r:id="rId9"/>
+    <p:sldId id="260" r:id="rId10"/>
+    <p:sldId id="269" r:id="rId11"/>
+    <p:sldId id="261" r:id="rId12"/>
+    <p:sldId id="268" r:id="rId13"/>
+    <p:sldId id="284" r:id="rId14"/>
+    <p:sldId id="283" r:id="rId15"/>
+    <p:sldId id="264" r:id="rId16"/>
+    <p:sldId id="265" r:id="rId17"/>
+    <p:sldId id="263" r:id="rId18"/>
+    <p:sldId id="262" r:id="rId19"/>
+    <p:sldId id="266" r:id="rId20"/>
+    <p:sldId id="271" r:id="rId21"/>
+    <p:sldId id="310" r:id="rId22"/>
+    <p:sldId id="444" r:id="rId23"/>
+    <p:sldId id="312" r:id="rId24"/>
+    <p:sldId id="440" r:id="rId25"/>
   </p:sldIdLst>
   <p:sldSz cx="12192000" cy="6858000"/>
   <p:notesSz cx="6858000" cy="9144000"/>
@@ -1974,7 +1975,7 @@
             </a:pPr>
             <a:fld id="{00000000-1234-1234-1234-123412341234}" type="slidenum">
               <a:rPr lang="en"/>
-              <a:t>17</a:t>
+              <a:t>18</a:t>
             </a:fld>
             <a:endParaRPr/>
           </a:p>
@@ -8947,6 +8948,242 @@
   <p:cSld>
     <p:spTree>
       <p:nvGrpSpPr>
+        <p:cNvPr id="1" name="Shape 240"/>
+        <p:cNvGrpSpPr/>
+        <p:nvPr/>
+      </p:nvGrpSpPr>
+      <p:grpSpPr>
+        <a:xfrm>
+          <a:off x="0" y="0"/>
+          <a:ext cx="0" cy="0"/>
+          <a:chOff x="0" y="0"/>
+          <a:chExt cx="0" cy="0"/>
+        </a:xfrm>
+      </p:grpSpPr>
+      <p:sp>
+        <p:nvSpPr>
+          <p:cNvPr id="241" name="Google Shape;241;p27"/>
+          <p:cNvSpPr txBox="1">
+            <a:spLocks noGrp="1"/>
+          </p:cNvSpPr>
+          <p:nvPr>
+            <p:ph type="title"/>
+          </p:nvPr>
+        </p:nvSpPr>
+        <p:spPr>
+          <a:xfrm>
+            <a:off x="415600" y="288567"/>
+            <a:ext cx="11360800" cy="763600"/>
+          </a:xfrm>
+          <a:prstGeom prst="rect">
+            <a:avLst/>
+          </a:prstGeom>
+        </p:spPr>
+        <p:txBody>
+          <a:bodyPr spcFirstLastPara="1" vert="horz" wrap="square" lIns="121900" tIns="121900" rIns="121900" bIns="121900" rtlCol="0" anchor="t" anchorCtr="0">
+            <a:noAutofit/>
+          </a:bodyPr>
+          <a:lstStyle/>
+          <a:p>
+            <a:r>
+              <a:rPr lang="en" sz="3600" dirty="0"/>
+              <a:t>Result:</a:t>
+            </a:r>
+            <a:br>
+              <a:rPr lang="en" sz="3600" dirty="0"/>
+            </a:br>
+            <a:r>
+              <a:rPr lang="en" sz="3600" dirty="0"/>
+              <a:t>How Does Access Link Capacity Relate to Resolution?</a:t>
+            </a:r>
+            <a:endParaRPr sz="3600" dirty="0"/>
+          </a:p>
+        </p:txBody>
+      </p:sp>
+      <p:sp>
+        <p:nvSpPr>
+          <p:cNvPr id="242" name="Google Shape;242;p27"/>
+          <p:cNvSpPr txBox="1">
+            <a:spLocks noGrp="1"/>
+          </p:cNvSpPr>
+          <p:nvPr>
+            <p:ph type="sldNum" idx="12"/>
+          </p:nvPr>
+        </p:nvSpPr>
+        <p:spPr>
+          <a:xfrm>
+            <a:off x="11296611" y="6217623"/>
+            <a:ext cx="731600" cy="524800"/>
+          </a:xfrm>
+          <a:prstGeom prst="rect">
+            <a:avLst/>
+          </a:prstGeom>
+        </p:spPr>
+        <p:txBody>
+          <a:bodyPr spcFirstLastPara="1" vert="horz" wrap="square" lIns="121900" tIns="121900" rIns="121900" bIns="121900" rtlCol="0" anchor="ctr" anchorCtr="0">
+            <a:noAutofit/>
+          </a:bodyPr>
+          <a:lstStyle/>
+          <a:p>
+            <a:fld id="{00000000-1234-1234-1234-123412341234}" type="slidenum">
+              <a:rPr lang="en"/>
+              <a:pPr/>
+              <a:t>10</a:t>
+            </a:fld>
+            <a:endParaRPr/>
+          </a:p>
+        </p:txBody>
+      </p:sp>
+      <p:pic>
+        <p:nvPicPr>
+          <p:cNvPr id="243" name="Google Shape;243;p27"/>
+          <p:cNvPicPr preferRelativeResize="0"/>
+          <p:nvPr/>
+        </p:nvPicPr>
+        <p:blipFill>
+          <a:blip r:embed="rId3">
+            <a:alphaModFix/>
+          </a:blip>
+          <a:stretch>
+            <a:fillRect/>
+          </a:stretch>
+        </p:blipFill>
+        <p:spPr>
+          <a:xfrm>
+            <a:off x="1638867" y="1846867"/>
+            <a:ext cx="4002149" cy="4023359"/>
+          </a:xfrm>
+          <a:prstGeom prst="rect">
+            <a:avLst/>
+          </a:prstGeom>
+          <a:noFill/>
+          <a:ln>
+            <a:noFill/>
+          </a:ln>
+        </p:spPr>
+      </p:pic>
+      <p:pic>
+        <p:nvPicPr>
+          <p:cNvPr id="244" name="Google Shape;244;p27"/>
+          <p:cNvPicPr preferRelativeResize="0"/>
+          <p:nvPr/>
+        </p:nvPicPr>
+        <p:blipFill>
+          <a:blip r:embed="rId4">
+            <a:alphaModFix/>
+          </a:blip>
+          <a:stretch>
+            <a:fillRect/>
+          </a:stretch>
+        </p:blipFill>
+        <p:spPr>
+          <a:xfrm>
+            <a:off x="6550978" y="1846867"/>
+            <a:ext cx="4002149" cy="4023359"/>
+          </a:xfrm>
+          <a:prstGeom prst="rect">
+            <a:avLst/>
+          </a:prstGeom>
+          <a:noFill/>
+          <a:ln>
+            <a:noFill/>
+          </a:ln>
+        </p:spPr>
+      </p:pic>
+      <p:sp>
+        <p:nvSpPr>
+          <p:cNvPr id="245" name="Google Shape;245;p27"/>
+          <p:cNvSpPr txBox="1"/>
+          <p:nvPr/>
+        </p:nvSpPr>
+        <p:spPr>
+          <a:xfrm>
+            <a:off x="2479133" y="1404892"/>
+            <a:ext cx="3249600" cy="366400"/>
+          </a:xfrm>
+          <a:prstGeom prst="rect">
+            <a:avLst/>
+          </a:prstGeom>
+          <a:noFill/>
+          <a:ln>
+            <a:noFill/>
+          </a:ln>
+        </p:spPr>
+        <p:txBody>
+          <a:bodyPr spcFirstLastPara="1" wrap="square" lIns="121900" tIns="121900" rIns="121900" bIns="121900" anchor="t" anchorCtr="0">
+            <a:noAutofit/>
+          </a:bodyPr>
+          <a:lstStyle/>
+          <a:p>
+            <a:pPr algn="ctr"/>
+            <a:r>
+              <a:rPr lang="en" sz="2133" b="1"/>
+              <a:t>Nominal Speed</a:t>
+            </a:r>
+            <a:endParaRPr sz="2133" b="1"/>
+          </a:p>
+        </p:txBody>
+      </p:sp>
+      <p:sp>
+        <p:nvSpPr>
+          <p:cNvPr id="246" name="Google Shape;246;p27"/>
+          <p:cNvSpPr txBox="1"/>
+          <p:nvPr/>
+        </p:nvSpPr>
+        <p:spPr>
+          <a:xfrm>
+            <a:off x="6944659" y="1404900"/>
+            <a:ext cx="4002149" cy="366400"/>
+          </a:xfrm>
+          <a:prstGeom prst="rect">
+            <a:avLst/>
+          </a:prstGeom>
+          <a:noFill/>
+          <a:ln>
+            <a:noFill/>
+          </a:ln>
+        </p:spPr>
+        <p:txBody>
+          <a:bodyPr spcFirstLastPara="1" wrap="square" lIns="121900" tIns="121900" rIns="121900" bIns="121900" anchor="t" anchorCtr="0">
+            <a:noAutofit/>
+          </a:bodyPr>
+          <a:lstStyle/>
+          <a:p>
+            <a:pPr algn="ctr"/>
+            <a:r>
+              <a:rPr lang="en" sz="2133" b="1"/>
+              <a:t>95</a:t>
+            </a:r>
+            <a:r>
+              <a:rPr lang="en" sz="2133" b="1" baseline="30000"/>
+              <a:t>th </a:t>
+            </a:r>
+            <a:r>
+              <a:rPr lang="en" sz="2133" b="1"/>
+              <a:t>%ile Active Throughput</a:t>
+            </a:r>
+            <a:endParaRPr sz="2133" b="1"/>
+          </a:p>
+        </p:txBody>
+      </p:sp>
+    </p:spTree>
+    <p:extLst>
+      <p:ext uri="{BB962C8B-B14F-4D97-AF65-F5344CB8AC3E}">
+        <p14:creationId xmlns:p14="http://schemas.microsoft.com/office/powerpoint/2010/main" val="2384215046"/>
+      </p:ext>
+    </p:extLst>
+  </p:cSld>
+  <p:clrMapOvr>
+    <a:masterClrMapping/>
+  </p:clrMapOvr>
+</p:sld>
+</file>
+
+<file path=ppt/slides/slide11.xml><?xml version="1.0" encoding="utf-8"?>
+<p:sld xmlns:a="http://schemas.openxmlformats.org/drawingml/2006/main" xmlns:r="http://schemas.openxmlformats.org/officeDocument/2006/relationships" xmlns:p="http://schemas.openxmlformats.org/presentationml/2006/main">
+  <p:cSld>
+    <p:spTree>
+      <p:nvGrpSpPr>
         <p:cNvPr id="1" name="Shape 135"/>
         <p:cNvGrpSpPr/>
         <p:nvPr/>
@@ -9128,7 +9365,7 @@
             <a:fld id="{00000000-1234-1234-1234-123412341234}" type="slidenum">
               <a:rPr lang="en"/>
               <a:pPr/>
-              <a:t>10</a:t>
+              <a:t>11</a:t>
             </a:fld>
             <a:endParaRPr/>
           </a:p>
@@ -9147,7 +9384,7 @@
 </p:sld>
 </file>
 
-<file path=ppt/slides/slide11.xml><?xml version="1.0" encoding="utf-8"?>
+<file path=ppt/slides/slide12.xml><?xml version="1.0" encoding="utf-8"?>
 <p:sld xmlns:a="http://schemas.openxmlformats.org/drawingml/2006/main" xmlns:r="http://schemas.openxmlformats.org/officeDocument/2006/relationships" xmlns:p="http://schemas.openxmlformats.org/presentationml/2006/main">
   <p:cSld>
     <p:spTree>
@@ -9265,7 +9502,7 @@
             <a:fld id="{00000000-1234-1234-1234-123412341234}" type="slidenum">
               <a:rPr lang="en"/>
               <a:pPr/>
-              <a:t>11</a:t>
+              <a:t>12</a:t>
             </a:fld>
             <a:endParaRPr/>
           </a:p>
@@ -9480,7 +9717,7 @@
 </p:sld>
 </file>
 
-<file path=ppt/slides/slide12.xml><?xml version="1.0" encoding="utf-8"?>
+<file path=ppt/slides/slide13.xml><?xml version="1.0" encoding="utf-8"?>
 <p:sld xmlns:a="http://schemas.openxmlformats.org/drawingml/2006/main" xmlns:r="http://schemas.openxmlformats.org/officeDocument/2006/relationships" xmlns:p="http://schemas.openxmlformats.org/presentationml/2006/main" show="0">
   <p:cSld>
     <p:spTree>
@@ -9807,7 +10044,7 @@
                 <a:cs typeface="Open Sans" panose="020B0606030504020204" pitchFamily="34" charset="0"/>
               </a:rPr>
               <a:pPr/>
-              <a:t>12</a:t>
+              <a:t>13</a:t>
             </a:fld>
             <a:endParaRPr>
               <a:latin typeface="Open Sans" panose="020B0606030504020204" pitchFamily="34" charset="0"/>
@@ -9825,7 +10062,7 @@
 </p:sld>
 </file>
 
-<file path=ppt/slides/slide13.xml><?xml version="1.0" encoding="utf-8"?>
+<file path=ppt/slides/slide14.xml><?xml version="1.0" encoding="utf-8"?>
 <p:sld xmlns:a="http://schemas.openxmlformats.org/drawingml/2006/main" xmlns:r="http://schemas.openxmlformats.org/officeDocument/2006/relationships" xmlns:p="http://schemas.openxmlformats.org/presentationml/2006/main">
   <p:cSld>
     <p:spTree>
@@ -10021,7 +10258,7 @@
                 <a:cs typeface="Open Sans" panose="020B0606030504020204" pitchFamily="34" charset="0"/>
               </a:rPr>
               <a:pPr/>
-              <a:t>13</a:t>
+              <a:t>14</a:t>
             </a:fld>
             <a:endParaRPr>
               <a:latin typeface="Open Sans" panose="020B0606030504020204" pitchFamily="34" charset="0"/>
@@ -10313,7 +10550,7 @@
 </p:sld>
 </file>
 
-<file path=ppt/slides/slide14.xml><?xml version="1.0" encoding="utf-8"?>
+<file path=ppt/slides/slide15.xml><?xml version="1.0" encoding="utf-8"?>
 <p:sld xmlns:a="http://schemas.openxmlformats.org/drawingml/2006/main" xmlns:r="http://schemas.openxmlformats.org/officeDocument/2006/relationships" xmlns:p="http://schemas.openxmlformats.org/presentationml/2006/main">
   <p:cSld>
     <p:spTree>
@@ -10391,7 +10628,7 @@
             <a:fld id="{00000000-1234-1234-1234-123412341234}" type="slidenum">
               <a:rPr lang="en"/>
               <a:pPr/>
-              <a:t>14</a:t>
+              <a:t>15</a:t>
             </a:fld>
             <a:endParaRPr/>
           </a:p>
@@ -10438,7 +10675,7 @@
 </p:sld>
 </file>
 
-<file path=ppt/slides/slide15.xml><?xml version="1.0" encoding="utf-8"?>
+<file path=ppt/slides/slide16.xml><?xml version="1.0" encoding="utf-8"?>
 <p:sld xmlns:a="http://schemas.openxmlformats.org/drawingml/2006/main" xmlns:r="http://schemas.openxmlformats.org/officeDocument/2006/relationships" xmlns:p="http://schemas.openxmlformats.org/presentationml/2006/main">
   <p:cSld>
     <p:spTree>
@@ -10523,7 +10760,7 @@
             <a:fld id="{00000000-1234-1234-1234-123412341234}" type="slidenum">
               <a:rPr lang="en"/>
               <a:pPr/>
-              <a:t>15</a:t>
+              <a:t>16</a:t>
             </a:fld>
             <a:endParaRPr/>
           </a:p>
@@ -10570,7 +10807,7 @@
 </p:sld>
 </file>
 
-<file path=ppt/slides/slide16.xml><?xml version="1.0" encoding="utf-8"?>
+<file path=ppt/slides/slide17.xml><?xml version="1.0" encoding="utf-8"?>
 <p:sld xmlns:a="http://schemas.openxmlformats.org/drawingml/2006/main" xmlns:r="http://schemas.openxmlformats.org/officeDocument/2006/relationships" xmlns:p="http://schemas.openxmlformats.org/presentationml/2006/main">
   <p:cSld>
     <p:spTree>
@@ -10661,7 +10898,7 @@
             <a:fld id="{00000000-1234-1234-1234-123412341234}" type="slidenum">
               <a:rPr lang="en"/>
               <a:pPr/>
-              <a:t>16</a:t>
+              <a:t>17</a:t>
             </a:fld>
             <a:endParaRPr/>
           </a:p>
@@ -10752,7 +10989,7 @@
 </p:sld>
 </file>
 
-<file path=ppt/slides/slide17.xml><?xml version="1.0" encoding="utf-8"?>
+<file path=ppt/slides/slide18.xml><?xml version="1.0" encoding="utf-8"?>
 <p:sld xmlns:a="http://schemas.openxmlformats.org/drawingml/2006/main" xmlns:r="http://schemas.openxmlformats.org/officeDocument/2006/relationships" xmlns:p="http://schemas.openxmlformats.org/presentationml/2006/main">
   <p:cSld>
     <p:spTree>
@@ -10869,7 +11106,7 @@
             <a:fld id="{00000000-1234-1234-1234-123412341234}" type="slidenum">
               <a:rPr lang="en"/>
               <a:pPr/>
-              <a:t>17</a:t>
+              <a:t>18</a:t>
             </a:fld>
             <a:endParaRPr/>
           </a:p>
@@ -10888,7 +11125,7 @@
 </p:sld>
 </file>
 
-<file path=ppt/slides/slide18.xml><?xml version="1.0" encoding="utf-8"?>
+<file path=ppt/slides/slide19.xml><?xml version="1.0" encoding="utf-8"?>
 <p:sld xmlns:a="http://schemas.openxmlformats.org/drawingml/2006/main" xmlns:r="http://schemas.openxmlformats.org/officeDocument/2006/relationships" xmlns:p="http://schemas.openxmlformats.org/presentationml/2006/main">
   <p:cSld>
     <p:spTree>
@@ -10973,7 +11210,7 @@
             <a:fld id="{00000000-1234-1234-1234-123412341234}" type="slidenum">
               <a:rPr lang="en"/>
               <a:pPr/>
-              <a:t>18</a:t>
+              <a:t>19</a:t>
             </a:fld>
             <a:endParaRPr/>
           </a:p>
@@ -14146,250 +14383,6 @@
 </p:sld>
 </file>
 
-<file path=ppt/slides/slide19.xml><?xml version="1.0" encoding="utf-8"?>
-<p:sld xmlns:a="http://schemas.openxmlformats.org/drawingml/2006/main" xmlns:r="http://schemas.openxmlformats.org/officeDocument/2006/relationships" xmlns:p="http://schemas.openxmlformats.org/presentationml/2006/main">
-  <p:cSld>
-    <p:spTree>
-      <p:nvGrpSpPr>
-        <p:cNvPr id="1" name="Shape 259"/>
-        <p:cNvGrpSpPr/>
-        <p:nvPr/>
-      </p:nvGrpSpPr>
-      <p:grpSpPr>
-        <a:xfrm>
-          <a:off x="0" y="0"/>
-          <a:ext cx="0" cy="0"/>
-          <a:chOff x="0" y="0"/>
-          <a:chExt cx="0" cy="0"/>
-        </a:xfrm>
-      </p:grpSpPr>
-      <p:sp>
-        <p:nvSpPr>
-          <p:cNvPr id="260" name="Google Shape;260;p29"/>
-          <p:cNvSpPr txBox="1">
-            <a:spLocks noGrp="1"/>
-          </p:cNvSpPr>
-          <p:nvPr>
-            <p:ph type="title"/>
-          </p:nvPr>
-        </p:nvSpPr>
-        <p:spPr>
-          <a:xfrm>
-            <a:off x="415600" y="288567"/>
-            <a:ext cx="11360800" cy="763600"/>
-          </a:xfrm>
-          <a:prstGeom prst="rect">
-            <a:avLst/>
-          </a:prstGeom>
-        </p:spPr>
-        <p:txBody>
-          <a:bodyPr spcFirstLastPara="1" vert="horz" wrap="square" lIns="121900" tIns="121900" rIns="121900" bIns="121900" rtlCol="0" anchor="t" anchorCtr="0">
-            <a:noAutofit/>
-          </a:bodyPr>
-          <a:lstStyle/>
-          <a:p>
-            <a:r>
-              <a:rPr lang="en" dirty="0"/>
-              <a:t>Looking Ahead</a:t>
-            </a:r>
-            <a:endParaRPr dirty="0"/>
-          </a:p>
-        </p:txBody>
-      </p:sp>
-      <p:sp>
-        <p:nvSpPr>
-          <p:cNvPr id="261" name="Google Shape;261;p29"/>
-          <p:cNvSpPr txBox="1">
-            <a:spLocks noGrp="1"/>
-          </p:cNvSpPr>
-          <p:nvPr>
-            <p:ph type="body" idx="1"/>
-          </p:nvPr>
-        </p:nvSpPr>
-        <p:spPr>
-          <a:xfrm>
-            <a:off x="415600" y="1203067"/>
-            <a:ext cx="11360800" cy="4214400"/>
-          </a:xfrm>
-          <a:prstGeom prst="rect">
-            <a:avLst/>
-          </a:prstGeom>
-        </p:spPr>
-        <p:txBody>
-          <a:bodyPr spcFirstLastPara="1" vert="horz" wrap="square" lIns="121900" tIns="121900" rIns="121900" bIns="121900" rtlCol="0" anchor="ctr" anchorCtr="0">
-            <a:noAutofit/>
-          </a:bodyPr>
-          <a:lstStyle/>
-          <a:p>
-            <a:r>
-              <a:rPr lang="en"/>
-              <a:t>Key takeaways</a:t>
-            </a:r>
-            <a:endParaRPr/>
-          </a:p>
-          <a:p>
-            <a:pPr lvl="1">
-              <a:spcBef>
-                <a:spcPts val="0"/>
-              </a:spcBef>
-            </a:pPr>
-            <a:r>
-              <a:rPr lang="en"/>
-              <a:t>Improved state of the art in inference of startup delay and resolution</a:t>
-            </a:r>
-            <a:endParaRPr/>
-          </a:p>
-          <a:p>
-            <a:pPr lvl="1">
-              <a:spcBef>
-                <a:spcPts val="0"/>
-              </a:spcBef>
-            </a:pPr>
-            <a:r>
-              <a:rPr lang="en"/>
-              <a:t>More robust models in deployment settings</a:t>
-            </a:r>
-            <a:endParaRPr/>
-          </a:p>
-          <a:p>
-            <a:pPr lvl="1">
-              <a:spcBef>
-                <a:spcPts val="0"/>
-              </a:spcBef>
-            </a:pPr>
-            <a:r>
-              <a:rPr lang="en"/>
-              <a:t>Higher access speeds provide marginal improvements to video quality</a:t>
-            </a:r>
-            <a:endParaRPr/>
-          </a:p>
-          <a:p>
-            <a:r>
-              <a:rPr lang="en"/>
-              <a:t>Future directions</a:t>
-            </a:r>
-            <a:endParaRPr/>
-          </a:p>
-          <a:p>
-            <a:pPr lvl="1">
-              <a:spcBef>
-                <a:spcPts val="0"/>
-              </a:spcBef>
-            </a:pPr>
-            <a:r>
-              <a:rPr lang="en"/>
-              <a:t>Develop a truly general model for arbitrary services</a:t>
-            </a:r>
-            <a:endParaRPr/>
-          </a:p>
-          <a:p>
-            <a:pPr lvl="1">
-              <a:spcBef>
-                <a:spcPts val="0"/>
-              </a:spcBef>
-            </a:pPr>
-            <a:r>
-              <a:rPr lang="en"/>
-              <a:t>Mitigate counter effects of domain adaptation</a:t>
-            </a:r>
-            <a:endParaRPr>
-              <a:solidFill>
-                <a:schemeClr val="dk1"/>
-              </a:solidFill>
-            </a:endParaRPr>
-          </a:p>
-        </p:txBody>
-      </p:sp>
-      <p:sp>
-        <p:nvSpPr>
-          <p:cNvPr id="262" name="Google Shape;262;p29"/>
-          <p:cNvSpPr txBox="1">
-            <a:spLocks noGrp="1"/>
-          </p:cNvSpPr>
-          <p:nvPr>
-            <p:ph type="sldNum" idx="12"/>
-          </p:nvPr>
-        </p:nvSpPr>
-        <p:spPr>
-          <a:xfrm>
-            <a:off x="11296611" y="6217623"/>
-            <a:ext cx="731600" cy="524800"/>
-          </a:xfrm>
-          <a:prstGeom prst="rect">
-            <a:avLst/>
-          </a:prstGeom>
-        </p:spPr>
-        <p:txBody>
-          <a:bodyPr spcFirstLastPara="1" vert="horz" wrap="square" lIns="121900" tIns="121900" rIns="121900" bIns="121900" rtlCol="0" anchor="ctr" anchorCtr="0">
-            <a:noAutofit/>
-          </a:bodyPr>
-          <a:lstStyle/>
-          <a:p>
-            <a:fld id="{00000000-1234-1234-1234-123412341234}" type="slidenum">
-              <a:rPr lang="en"/>
-              <a:pPr/>
-              <a:t>19</a:t>
-            </a:fld>
-            <a:endParaRPr/>
-          </a:p>
-        </p:txBody>
-      </p:sp>
-      <p:sp>
-        <p:nvSpPr>
-          <p:cNvPr id="263" name="Google Shape;263;p29"/>
-          <p:cNvSpPr txBox="1">
-            <a:spLocks noGrp="1"/>
-          </p:cNvSpPr>
-          <p:nvPr>
-            <p:ph type="title"/>
-          </p:nvPr>
-        </p:nvSpPr>
-        <p:spPr>
-          <a:xfrm>
-            <a:off x="541600" y="5056333"/>
-            <a:ext cx="11360800" cy="1284800"/>
-          </a:xfrm>
-          <a:prstGeom prst="rect">
-            <a:avLst/>
-          </a:prstGeom>
-        </p:spPr>
-        <p:txBody>
-          <a:bodyPr spcFirstLastPara="1" vert="horz" wrap="square" lIns="121900" tIns="121900" rIns="121900" bIns="121900" rtlCol="0" anchor="t" anchorCtr="0">
-            <a:noAutofit/>
-          </a:bodyPr>
-          <a:lstStyle/>
-          <a:p>
-            <a:pPr algn="ctr">
-              <a:buClr>
-                <a:schemeClr val="dk1"/>
-              </a:buClr>
-              <a:buSzPts val="1100"/>
-            </a:pPr>
-            <a:endParaRPr sz="2133" dirty="0">
-              <a:solidFill>
-                <a:srgbClr val="434343"/>
-              </a:solidFill>
-              <a:latin typeface="Nunito Sans"/>
-              <a:ea typeface="Nunito Sans"/>
-              <a:cs typeface="Nunito Sans"/>
-              <a:sym typeface="Nunito Sans"/>
-            </a:endParaRPr>
-          </a:p>
-        </p:txBody>
-      </p:sp>
-    </p:spTree>
-    <p:extLst>
-      <p:ext uri="{BB962C8B-B14F-4D97-AF65-F5344CB8AC3E}">
-        <p14:creationId xmlns:p14="http://schemas.microsoft.com/office/powerpoint/2010/main" val="3981235426"/>
-      </p:ext>
-    </p:extLst>
-  </p:cSld>
-  <p:clrMapOvr>
-    <a:masterClrMapping/>
-  </p:clrMapOvr>
-</p:sld>
-</file>
-
 <file path=ppt/slides/slide2.xml><?xml version="1.0" encoding="utf-8"?>
 <p:sld xmlns:a="http://schemas.openxmlformats.org/drawingml/2006/main" xmlns:r="http://schemas.openxmlformats.org/officeDocument/2006/relationships" xmlns:p="http://schemas.openxmlformats.org/presentationml/2006/main">
   <p:cSld>
@@ -14409,10 +14402,10 @@
       </p:grpSpPr>
       <p:sp>
         <p:nvSpPr>
-          <p:cNvPr id="4" name="Title 3">
+          <p:cNvPr id="2" name="Title 1">
             <a:extLst>
               <a:ext uri="{FF2B5EF4-FFF2-40B4-BE49-F238E27FC236}">
-                <a16:creationId xmlns:a16="http://schemas.microsoft.com/office/drawing/2014/main" id="{D2D4142E-D355-C640-B38E-3FA03B9E7F20}"/>
+                <a16:creationId xmlns:a16="http://schemas.microsoft.com/office/drawing/2014/main" id="{B61E13AC-83DB-4E4B-9BC8-67169CBCCEE8}"/>
               </a:ext>
             </a:extLst>
           </p:cNvPr>
@@ -14423,40 +14416,66 @@
             <p:ph type="title"/>
           </p:nvPr>
         </p:nvSpPr>
-        <p:spPr>
-          <a:xfrm>
-            <a:off x="838200" y="2103437"/>
-            <a:ext cx="10515600" cy="1325563"/>
-          </a:xfrm>
-        </p:spPr>
+        <p:spPr/>
         <p:txBody>
           <a:bodyPr/>
           <a:lstStyle/>
           <a:p>
-            <a:pPr algn="ctr"/>
             <a:r>
               <a:rPr lang="en-US" dirty="0"/>
-              <a:t>Performance </a:t>
-            </a:r>
-            <a:r>
-              <a:rPr lang="en-US"/>
-              <a:t>Inference and </a:t>
-            </a:r>
-            <a:br>
-              <a:rPr lang="en-US"/>
-            </a:br>
-            <a:r>
-              <a:rPr lang="en-US"/>
-              <a:t>Optimization</a:t>
-            </a:r>
+              <a:t>Application Identification</a:t>
+            </a:r>
+          </a:p>
+        </p:txBody>
+      </p:sp>
+      <p:sp>
+        <p:nvSpPr>
+          <p:cNvPr id="3" name="Content Placeholder 2">
+            <a:extLst>
+              <a:ext uri="{FF2B5EF4-FFF2-40B4-BE49-F238E27FC236}">
+                <a16:creationId xmlns:a16="http://schemas.microsoft.com/office/drawing/2014/main" id="{B003B6F0-B916-084B-B7E9-B363AF3D3BA8}"/>
+              </a:ext>
+            </a:extLst>
+          </p:cNvPr>
+          <p:cNvSpPr>
+            <a:spLocks noGrp="1"/>
+          </p:cNvSpPr>
+          <p:nvPr>
+            <p:ph idx="1"/>
+          </p:nvPr>
+        </p:nvSpPr>
+        <p:spPr/>
+        <p:txBody>
+          <a:bodyPr/>
+          <a:lstStyle/>
+          <a:p>
+            <a:r>
+              <a:rPr lang="en-US" dirty="0"/>
+              <a:t>Goal: Identify applications based on features in the network traffic trace.</a:t>
+            </a:r>
+          </a:p>
+          <a:p>
             <a:endParaRPr lang="en-US" dirty="0"/>
+          </a:p>
+          <a:p>
+            <a:r>
+              <a:rPr lang="en-US" dirty="0"/>
+              <a:t>Applications:</a:t>
+            </a:r>
+          </a:p>
+          <a:p>
+            <a:pPr lvl="1"/>
+            <a:r>
+              <a:rPr lang="en-US" dirty="0"/>
+              <a:t> …</a:t>
+            </a:r>
           </a:p>
         </p:txBody>
       </p:sp>
     </p:spTree>
     <p:extLst>
       <p:ext uri="{BB962C8B-B14F-4D97-AF65-F5344CB8AC3E}">
-        <p14:creationId xmlns:p14="http://schemas.microsoft.com/office/powerpoint/2010/main" val="1494858820"/>
+        <p14:creationId xmlns:p14="http://schemas.microsoft.com/office/powerpoint/2010/main" val="2853200621"/>
       </p:ext>
     </p:extLst>
   </p:cSld>
@@ -14467,6 +14486,250 @@
 </file>
 
 <file path=ppt/slides/slide20.xml><?xml version="1.0" encoding="utf-8"?>
+<p:sld xmlns:a="http://schemas.openxmlformats.org/drawingml/2006/main" xmlns:r="http://schemas.openxmlformats.org/officeDocument/2006/relationships" xmlns:p="http://schemas.openxmlformats.org/presentationml/2006/main">
+  <p:cSld>
+    <p:spTree>
+      <p:nvGrpSpPr>
+        <p:cNvPr id="1" name="Shape 259"/>
+        <p:cNvGrpSpPr/>
+        <p:nvPr/>
+      </p:nvGrpSpPr>
+      <p:grpSpPr>
+        <a:xfrm>
+          <a:off x="0" y="0"/>
+          <a:ext cx="0" cy="0"/>
+          <a:chOff x="0" y="0"/>
+          <a:chExt cx="0" cy="0"/>
+        </a:xfrm>
+      </p:grpSpPr>
+      <p:sp>
+        <p:nvSpPr>
+          <p:cNvPr id="260" name="Google Shape;260;p29"/>
+          <p:cNvSpPr txBox="1">
+            <a:spLocks noGrp="1"/>
+          </p:cNvSpPr>
+          <p:nvPr>
+            <p:ph type="title"/>
+          </p:nvPr>
+        </p:nvSpPr>
+        <p:spPr>
+          <a:xfrm>
+            <a:off x="415600" y="288567"/>
+            <a:ext cx="11360800" cy="763600"/>
+          </a:xfrm>
+          <a:prstGeom prst="rect">
+            <a:avLst/>
+          </a:prstGeom>
+        </p:spPr>
+        <p:txBody>
+          <a:bodyPr spcFirstLastPara="1" vert="horz" wrap="square" lIns="121900" tIns="121900" rIns="121900" bIns="121900" rtlCol="0" anchor="t" anchorCtr="0">
+            <a:noAutofit/>
+          </a:bodyPr>
+          <a:lstStyle/>
+          <a:p>
+            <a:r>
+              <a:rPr lang="en" dirty="0"/>
+              <a:t>Looking Ahead</a:t>
+            </a:r>
+            <a:endParaRPr dirty="0"/>
+          </a:p>
+        </p:txBody>
+      </p:sp>
+      <p:sp>
+        <p:nvSpPr>
+          <p:cNvPr id="261" name="Google Shape;261;p29"/>
+          <p:cNvSpPr txBox="1">
+            <a:spLocks noGrp="1"/>
+          </p:cNvSpPr>
+          <p:nvPr>
+            <p:ph type="body" idx="1"/>
+          </p:nvPr>
+        </p:nvSpPr>
+        <p:spPr>
+          <a:xfrm>
+            <a:off x="415600" y="1203067"/>
+            <a:ext cx="11360800" cy="4214400"/>
+          </a:xfrm>
+          <a:prstGeom prst="rect">
+            <a:avLst/>
+          </a:prstGeom>
+        </p:spPr>
+        <p:txBody>
+          <a:bodyPr spcFirstLastPara="1" vert="horz" wrap="square" lIns="121900" tIns="121900" rIns="121900" bIns="121900" rtlCol="0" anchor="ctr" anchorCtr="0">
+            <a:noAutofit/>
+          </a:bodyPr>
+          <a:lstStyle/>
+          <a:p>
+            <a:r>
+              <a:rPr lang="en"/>
+              <a:t>Key takeaways</a:t>
+            </a:r>
+            <a:endParaRPr/>
+          </a:p>
+          <a:p>
+            <a:pPr lvl="1">
+              <a:spcBef>
+                <a:spcPts val="0"/>
+              </a:spcBef>
+            </a:pPr>
+            <a:r>
+              <a:rPr lang="en"/>
+              <a:t>Improved state of the art in inference of startup delay and resolution</a:t>
+            </a:r>
+            <a:endParaRPr/>
+          </a:p>
+          <a:p>
+            <a:pPr lvl="1">
+              <a:spcBef>
+                <a:spcPts val="0"/>
+              </a:spcBef>
+            </a:pPr>
+            <a:r>
+              <a:rPr lang="en"/>
+              <a:t>More robust models in deployment settings</a:t>
+            </a:r>
+            <a:endParaRPr/>
+          </a:p>
+          <a:p>
+            <a:pPr lvl="1">
+              <a:spcBef>
+                <a:spcPts val="0"/>
+              </a:spcBef>
+            </a:pPr>
+            <a:r>
+              <a:rPr lang="en"/>
+              <a:t>Higher access speeds provide marginal improvements to video quality</a:t>
+            </a:r>
+            <a:endParaRPr/>
+          </a:p>
+          <a:p>
+            <a:r>
+              <a:rPr lang="en"/>
+              <a:t>Future directions</a:t>
+            </a:r>
+            <a:endParaRPr/>
+          </a:p>
+          <a:p>
+            <a:pPr lvl="1">
+              <a:spcBef>
+                <a:spcPts val="0"/>
+              </a:spcBef>
+            </a:pPr>
+            <a:r>
+              <a:rPr lang="en"/>
+              <a:t>Develop a truly general model for arbitrary services</a:t>
+            </a:r>
+            <a:endParaRPr/>
+          </a:p>
+          <a:p>
+            <a:pPr lvl="1">
+              <a:spcBef>
+                <a:spcPts val="0"/>
+              </a:spcBef>
+            </a:pPr>
+            <a:r>
+              <a:rPr lang="en"/>
+              <a:t>Mitigate counter effects of domain adaptation</a:t>
+            </a:r>
+            <a:endParaRPr>
+              <a:solidFill>
+                <a:schemeClr val="dk1"/>
+              </a:solidFill>
+            </a:endParaRPr>
+          </a:p>
+        </p:txBody>
+      </p:sp>
+      <p:sp>
+        <p:nvSpPr>
+          <p:cNvPr id="262" name="Google Shape;262;p29"/>
+          <p:cNvSpPr txBox="1">
+            <a:spLocks noGrp="1"/>
+          </p:cNvSpPr>
+          <p:nvPr>
+            <p:ph type="sldNum" idx="12"/>
+          </p:nvPr>
+        </p:nvSpPr>
+        <p:spPr>
+          <a:xfrm>
+            <a:off x="11296611" y="6217623"/>
+            <a:ext cx="731600" cy="524800"/>
+          </a:xfrm>
+          <a:prstGeom prst="rect">
+            <a:avLst/>
+          </a:prstGeom>
+        </p:spPr>
+        <p:txBody>
+          <a:bodyPr spcFirstLastPara="1" vert="horz" wrap="square" lIns="121900" tIns="121900" rIns="121900" bIns="121900" rtlCol="0" anchor="ctr" anchorCtr="0">
+            <a:noAutofit/>
+          </a:bodyPr>
+          <a:lstStyle/>
+          <a:p>
+            <a:fld id="{00000000-1234-1234-1234-123412341234}" type="slidenum">
+              <a:rPr lang="en"/>
+              <a:pPr/>
+              <a:t>20</a:t>
+            </a:fld>
+            <a:endParaRPr/>
+          </a:p>
+        </p:txBody>
+      </p:sp>
+      <p:sp>
+        <p:nvSpPr>
+          <p:cNvPr id="263" name="Google Shape;263;p29"/>
+          <p:cNvSpPr txBox="1">
+            <a:spLocks noGrp="1"/>
+          </p:cNvSpPr>
+          <p:nvPr>
+            <p:ph type="title"/>
+          </p:nvPr>
+        </p:nvSpPr>
+        <p:spPr>
+          <a:xfrm>
+            <a:off x="541600" y="5056333"/>
+            <a:ext cx="11360800" cy="1284800"/>
+          </a:xfrm>
+          <a:prstGeom prst="rect">
+            <a:avLst/>
+          </a:prstGeom>
+        </p:spPr>
+        <p:txBody>
+          <a:bodyPr spcFirstLastPara="1" vert="horz" wrap="square" lIns="121900" tIns="121900" rIns="121900" bIns="121900" rtlCol="0" anchor="t" anchorCtr="0">
+            <a:noAutofit/>
+          </a:bodyPr>
+          <a:lstStyle/>
+          <a:p>
+            <a:pPr algn="ctr">
+              <a:buClr>
+                <a:schemeClr val="dk1"/>
+              </a:buClr>
+              <a:buSzPts val="1100"/>
+            </a:pPr>
+            <a:endParaRPr sz="2133" dirty="0">
+              <a:solidFill>
+                <a:srgbClr val="434343"/>
+              </a:solidFill>
+              <a:latin typeface="Nunito Sans"/>
+              <a:ea typeface="Nunito Sans"/>
+              <a:cs typeface="Nunito Sans"/>
+              <a:sym typeface="Nunito Sans"/>
+            </a:endParaRPr>
+          </a:p>
+        </p:txBody>
+      </p:sp>
+    </p:spTree>
+    <p:extLst>
+      <p:ext uri="{BB962C8B-B14F-4D97-AF65-F5344CB8AC3E}">
+        <p14:creationId xmlns:p14="http://schemas.microsoft.com/office/powerpoint/2010/main" val="3981235426"/>
+      </p:ext>
+    </p:extLst>
+  </p:cSld>
+  <p:clrMapOvr>
+    <a:masterClrMapping/>
+  </p:clrMapOvr>
+</p:sld>
+</file>
+
+<file path=ppt/slides/slide21.xml><?xml version="1.0" encoding="utf-8"?>
 <p:sld xmlns:a="http://schemas.openxmlformats.org/drawingml/2006/main" xmlns:r="http://schemas.openxmlformats.org/officeDocument/2006/relationships" xmlns:p="http://schemas.openxmlformats.org/presentationml/2006/main">
   <p:cSld>
     <p:spTree>
@@ -14556,7 +14819,7 @@
                 <a:cs typeface="Open Sans" panose="020B0606030504020204" pitchFamily="34" charset="0"/>
               </a:rPr>
               <a:pPr/>
-              <a:t>20</a:t>
+              <a:t>21</a:t>
             </a:fld>
             <a:endParaRPr>
               <a:latin typeface="Open Sans" panose="020B0606030504020204" pitchFamily="34" charset="0"/>
@@ -14574,7 +14837,7 @@
 </p:sld>
 </file>
 
-<file path=ppt/slides/slide21.xml><?xml version="1.0" encoding="utf-8"?>
+<file path=ppt/slides/slide22.xml><?xml version="1.0" encoding="utf-8"?>
 <p:sld xmlns:a="http://schemas.openxmlformats.org/drawingml/2006/main" xmlns:r="http://schemas.openxmlformats.org/officeDocument/2006/relationships" xmlns:p="http://schemas.openxmlformats.org/presentationml/2006/main">
   <p:cSld>
     <p:spTree>
@@ -14859,7 +15122,7 @@
                 <a:cs typeface="Open Sans" panose="020B0606030504020204" pitchFamily="34" charset="0"/>
               </a:rPr>
               <a:pPr/>
-              <a:t>21</a:t>
+              <a:t>22</a:t>
             </a:fld>
             <a:endParaRPr>
               <a:latin typeface="Open Sans" panose="020B0606030504020204" pitchFamily="34" charset="0"/>
@@ -14877,7 +15140,7 @@
 </p:sld>
 </file>
 
-<file path=ppt/slides/slide22.xml><?xml version="1.0" encoding="utf-8"?>
+<file path=ppt/slides/slide23.xml><?xml version="1.0" encoding="utf-8"?>
 <p:sld xmlns:a="http://schemas.openxmlformats.org/drawingml/2006/main" xmlns:r="http://schemas.openxmlformats.org/officeDocument/2006/relationships" xmlns:p="http://schemas.openxmlformats.org/presentationml/2006/main">
   <p:cSld>
     <p:spTree>
@@ -15214,7 +15477,7 @@
                 <a:cs typeface="Open Sans" panose="020B0606030504020204" pitchFamily="34" charset="0"/>
               </a:rPr>
               <a:pPr/>
-              <a:t>22</a:t>
+              <a:t>23</a:t>
             </a:fld>
             <a:endParaRPr>
               <a:latin typeface="Open Sans" panose="020B0606030504020204" pitchFamily="34" charset="0"/>
@@ -15232,7 +15495,7 @@
 </p:sld>
 </file>
 
-<file path=ppt/slides/slide23.xml><?xml version="1.0" encoding="utf-8"?>
+<file path=ppt/slides/slide24.xml><?xml version="1.0" encoding="utf-8"?>
 <p:sld xmlns:a="http://schemas.openxmlformats.org/drawingml/2006/main" xmlns:r="http://schemas.openxmlformats.org/officeDocument/2006/relationships" xmlns:p="http://schemas.openxmlformats.org/presentationml/2006/main">
   <p:cSld>
     <p:spTree>
@@ -15322,6 +15585,82 @@
   <p:cSld>
     <p:spTree>
       <p:nvGrpSpPr>
+        <p:cNvPr id="1" name=""/>
+        <p:cNvGrpSpPr/>
+        <p:nvPr/>
+      </p:nvGrpSpPr>
+      <p:grpSpPr>
+        <a:xfrm>
+          <a:off x="0" y="0"/>
+          <a:ext cx="0" cy="0"/>
+          <a:chOff x="0" y="0"/>
+          <a:chExt cx="0" cy="0"/>
+        </a:xfrm>
+      </p:grpSpPr>
+      <p:sp>
+        <p:nvSpPr>
+          <p:cNvPr id="4" name="Title 3">
+            <a:extLst>
+              <a:ext uri="{FF2B5EF4-FFF2-40B4-BE49-F238E27FC236}">
+                <a16:creationId xmlns:a16="http://schemas.microsoft.com/office/drawing/2014/main" id="{D2D4142E-D355-C640-B38E-3FA03B9E7F20}"/>
+              </a:ext>
+            </a:extLst>
+          </p:cNvPr>
+          <p:cNvSpPr>
+            <a:spLocks noGrp="1"/>
+          </p:cNvSpPr>
+          <p:nvPr>
+            <p:ph type="title"/>
+          </p:nvPr>
+        </p:nvSpPr>
+        <p:spPr>
+          <a:xfrm>
+            <a:off x="838200" y="2103437"/>
+            <a:ext cx="10515600" cy="1325563"/>
+          </a:xfrm>
+        </p:spPr>
+        <p:txBody>
+          <a:bodyPr/>
+          <a:lstStyle/>
+          <a:p>
+            <a:pPr algn="ctr"/>
+            <a:r>
+              <a:rPr lang="en-US" dirty="0"/>
+              <a:t>Performance </a:t>
+            </a:r>
+            <a:r>
+              <a:rPr lang="en-US"/>
+              <a:t>Inference and </a:t>
+            </a:r>
+            <a:br>
+              <a:rPr lang="en-US"/>
+            </a:br>
+            <a:r>
+              <a:rPr lang="en-US"/>
+              <a:t>Optimization</a:t>
+            </a:r>
+            <a:endParaRPr lang="en-US" dirty="0"/>
+          </a:p>
+        </p:txBody>
+      </p:sp>
+    </p:spTree>
+    <p:extLst>
+      <p:ext uri="{BB962C8B-B14F-4D97-AF65-F5344CB8AC3E}">
+        <p14:creationId xmlns:p14="http://schemas.microsoft.com/office/powerpoint/2010/main" val="1494858820"/>
+      </p:ext>
+    </p:extLst>
+  </p:cSld>
+  <p:clrMapOvr>
+    <a:masterClrMapping/>
+  </p:clrMapOvr>
+</p:sld>
+</file>
+
+<file path=ppt/slides/slide4.xml><?xml version="1.0" encoding="utf-8"?>
+<p:sld xmlns:a="http://schemas.openxmlformats.org/drawingml/2006/main" xmlns:r="http://schemas.openxmlformats.org/officeDocument/2006/relationships" xmlns:p="http://schemas.openxmlformats.org/presentationml/2006/main">
+  <p:cSld>
+    <p:spTree>
+      <p:nvGrpSpPr>
         <p:cNvPr id="1" name="Shape 66"/>
         <p:cNvGrpSpPr/>
         <p:nvPr/>
@@ -15395,7 +15734,7 @@
             <a:fld id="{00000000-1234-1234-1234-123412341234}" type="slidenum">
               <a:rPr lang="en"/>
               <a:pPr/>
-              <a:t>3</a:t>
+              <a:t>4</a:t>
             </a:fld>
             <a:endParaRPr/>
           </a:p>
@@ -15475,7 +15814,7 @@
 </p:sld>
 </file>
 
-<file path=ppt/slides/slide4.xml><?xml version="1.0" encoding="utf-8"?>
+<file path=ppt/slides/slide5.xml><?xml version="1.0" encoding="utf-8"?>
 <p:sld xmlns:a="http://schemas.openxmlformats.org/drawingml/2006/main" xmlns:r="http://schemas.openxmlformats.org/officeDocument/2006/relationships" xmlns:p="http://schemas.openxmlformats.org/presentationml/2006/main">
   <p:cSld>
     <p:spTree>
@@ -15552,7 +15891,7 @@
                 <a:cs typeface="Open Sans" panose="020B0606030504020204" pitchFamily="34" charset="0"/>
               </a:rPr>
               <a:pPr/>
-              <a:t>4</a:t>
+              <a:t>5</a:t>
             </a:fld>
             <a:endParaRPr lang="en">
               <a:latin typeface="Open Sans" panose="020B0606030504020204" pitchFamily="34" charset="0"/>
@@ -15751,7 +16090,7 @@
 </p:sld>
 </file>
 
-<file path=ppt/slides/slide5.xml><?xml version="1.0" encoding="utf-8"?>
+<file path=ppt/slides/slide6.xml><?xml version="1.0" encoding="utf-8"?>
 <p:sld xmlns:a="http://schemas.openxmlformats.org/drawingml/2006/main" xmlns:r="http://schemas.openxmlformats.org/officeDocument/2006/relationships" xmlns:p="http://schemas.openxmlformats.org/presentationml/2006/main">
   <p:cSld>
     <p:spTree>
@@ -15828,7 +16167,7 @@
                 <a:cs typeface="Open Sans" panose="020B0606030504020204" pitchFamily="34" charset="0"/>
               </a:rPr>
               <a:pPr/>
-              <a:t>5</a:t>
+              <a:t>6</a:t>
             </a:fld>
             <a:endParaRPr lang="en">
               <a:latin typeface="Open Sans" panose="020B0606030504020204" pitchFamily="34" charset="0"/>
@@ -15950,7 +16289,7 @@
 </p:sld>
 </file>
 
-<file path=ppt/slides/slide6.xml><?xml version="1.0" encoding="utf-8"?>
+<file path=ppt/slides/slide7.xml><?xml version="1.0" encoding="utf-8"?>
 <p:sld xmlns:a="http://schemas.openxmlformats.org/drawingml/2006/main" xmlns:r="http://schemas.openxmlformats.org/officeDocument/2006/relationships" xmlns:p="http://schemas.openxmlformats.org/presentationml/2006/main">
   <p:cSld>
     <p:spTree>
@@ -16028,7 +16367,7 @@
             <a:fld id="{00000000-1234-1234-1234-123412341234}" type="slidenum">
               <a:rPr lang="en"/>
               <a:pPr/>
-              <a:t>6</a:t>
+              <a:t>7</a:t>
             </a:fld>
             <a:endParaRPr/>
           </a:p>
@@ -16835,7 +17174,7 @@
 </p:sld>
 </file>
 
-<file path=ppt/slides/slide7.xml><?xml version="1.0" encoding="utf-8"?>
+<file path=ppt/slides/slide8.xml><?xml version="1.0" encoding="utf-8"?>
 <p:sld xmlns:a="http://schemas.openxmlformats.org/drawingml/2006/main" xmlns:r="http://schemas.openxmlformats.org/officeDocument/2006/relationships" xmlns:p="http://schemas.openxmlformats.org/presentationml/2006/main">
   <p:cSld>
     <p:spTree>
@@ -17130,7 +17469,7 @@
             <a:fld id="{00000000-1234-1234-1234-123412341234}" type="slidenum">
               <a:rPr lang="en"/>
               <a:pPr/>
-              <a:t>7</a:t>
+              <a:t>8</a:t>
             </a:fld>
             <a:endParaRPr/>
           </a:p>
@@ -17674,7 +18013,7 @@
 </p:sld>
 </file>
 
-<file path=ppt/slides/slide8.xml><?xml version="1.0" encoding="utf-8"?>
+<file path=ppt/slides/slide9.xml><?xml version="1.0" encoding="utf-8"?>
 <p:sld xmlns:a="http://schemas.openxmlformats.org/drawingml/2006/main" xmlns:r="http://schemas.openxmlformats.org/officeDocument/2006/relationships" xmlns:p="http://schemas.openxmlformats.org/presentationml/2006/main">
   <p:cSld>
     <p:spTree>
@@ -17790,7 +18129,7 @@
             <a:fld id="{00000000-1234-1234-1234-123412341234}" type="slidenum">
               <a:rPr lang="en"/>
               <a:pPr/>
-              <a:t>8</a:t>
+              <a:t>9</a:t>
             </a:fld>
             <a:endParaRPr/>
           </a:p>
@@ -18872,242 +19211,6 @@
       </p:par>
     </p:tnLst>
   </p:timing>
-</p:sld>
-</file>
-
-<file path=ppt/slides/slide9.xml><?xml version="1.0" encoding="utf-8"?>
-<p:sld xmlns:a="http://schemas.openxmlformats.org/drawingml/2006/main" xmlns:r="http://schemas.openxmlformats.org/officeDocument/2006/relationships" xmlns:p="http://schemas.openxmlformats.org/presentationml/2006/main">
-  <p:cSld>
-    <p:spTree>
-      <p:nvGrpSpPr>
-        <p:cNvPr id="1" name="Shape 240"/>
-        <p:cNvGrpSpPr/>
-        <p:nvPr/>
-      </p:nvGrpSpPr>
-      <p:grpSpPr>
-        <a:xfrm>
-          <a:off x="0" y="0"/>
-          <a:ext cx="0" cy="0"/>
-          <a:chOff x="0" y="0"/>
-          <a:chExt cx="0" cy="0"/>
-        </a:xfrm>
-      </p:grpSpPr>
-      <p:sp>
-        <p:nvSpPr>
-          <p:cNvPr id="241" name="Google Shape;241;p27"/>
-          <p:cNvSpPr txBox="1">
-            <a:spLocks noGrp="1"/>
-          </p:cNvSpPr>
-          <p:nvPr>
-            <p:ph type="title"/>
-          </p:nvPr>
-        </p:nvSpPr>
-        <p:spPr>
-          <a:xfrm>
-            <a:off x="415600" y="288567"/>
-            <a:ext cx="11360800" cy="763600"/>
-          </a:xfrm>
-          <a:prstGeom prst="rect">
-            <a:avLst/>
-          </a:prstGeom>
-        </p:spPr>
-        <p:txBody>
-          <a:bodyPr spcFirstLastPara="1" vert="horz" wrap="square" lIns="121900" tIns="121900" rIns="121900" bIns="121900" rtlCol="0" anchor="t" anchorCtr="0">
-            <a:noAutofit/>
-          </a:bodyPr>
-          <a:lstStyle/>
-          <a:p>
-            <a:r>
-              <a:rPr lang="en" sz="3600" dirty="0"/>
-              <a:t>Result:</a:t>
-            </a:r>
-            <a:br>
-              <a:rPr lang="en" sz="3600" dirty="0"/>
-            </a:br>
-            <a:r>
-              <a:rPr lang="en" sz="3600" dirty="0"/>
-              <a:t>How Does Access Link Capacity Relate to Resolution?</a:t>
-            </a:r>
-            <a:endParaRPr sz="3600" dirty="0"/>
-          </a:p>
-        </p:txBody>
-      </p:sp>
-      <p:sp>
-        <p:nvSpPr>
-          <p:cNvPr id="242" name="Google Shape;242;p27"/>
-          <p:cNvSpPr txBox="1">
-            <a:spLocks noGrp="1"/>
-          </p:cNvSpPr>
-          <p:nvPr>
-            <p:ph type="sldNum" idx="12"/>
-          </p:nvPr>
-        </p:nvSpPr>
-        <p:spPr>
-          <a:xfrm>
-            <a:off x="11296611" y="6217623"/>
-            <a:ext cx="731600" cy="524800"/>
-          </a:xfrm>
-          <a:prstGeom prst="rect">
-            <a:avLst/>
-          </a:prstGeom>
-        </p:spPr>
-        <p:txBody>
-          <a:bodyPr spcFirstLastPara="1" vert="horz" wrap="square" lIns="121900" tIns="121900" rIns="121900" bIns="121900" rtlCol="0" anchor="ctr" anchorCtr="0">
-            <a:noAutofit/>
-          </a:bodyPr>
-          <a:lstStyle/>
-          <a:p>
-            <a:fld id="{00000000-1234-1234-1234-123412341234}" type="slidenum">
-              <a:rPr lang="en"/>
-              <a:pPr/>
-              <a:t>9</a:t>
-            </a:fld>
-            <a:endParaRPr/>
-          </a:p>
-        </p:txBody>
-      </p:sp>
-      <p:pic>
-        <p:nvPicPr>
-          <p:cNvPr id="243" name="Google Shape;243;p27"/>
-          <p:cNvPicPr preferRelativeResize="0"/>
-          <p:nvPr/>
-        </p:nvPicPr>
-        <p:blipFill>
-          <a:blip r:embed="rId3">
-            <a:alphaModFix/>
-          </a:blip>
-          <a:stretch>
-            <a:fillRect/>
-          </a:stretch>
-        </p:blipFill>
-        <p:spPr>
-          <a:xfrm>
-            <a:off x="1638867" y="1846867"/>
-            <a:ext cx="4002149" cy="4023359"/>
-          </a:xfrm>
-          <a:prstGeom prst="rect">
-            <a:avLst/>
-          </a:prstGeom>
-          <a:noFill/>
-          <a:ln>
-            <a:noFill/>
-          </a:ln>
-        </p:spPr>
-      </p:pic>
-      <p:pic>
-        <p:nvPicPr>
-          <p:cNvPr id="244" name="Google Shape;244;p27"/>
-          <p:cNvPicPr preferRelativeResize="0"/>
-          <p:nvPr/>
-        </p:nvPicPr>
-        <p:blipFill>
-          <a:blip r:embed="rId4">
-            <a:alphaModFix/>
-          </a:blip>
-          <a:stretch>
-            <a:fillRect/>
-          </a:stretch>
-        </p:blipFill>
-        <p:spPr>
-          <a:xfrm>
-            <a:off x="6550978" y="1846867"/>
-            <a:ext cx="4002149" cy="4023359"/>
-          </a:xfrm>
-          <a:prstGeom prst="rect">
-            <a:avLst/>
-          </a:prstGeom>
-          <a:noFill/>
-          <a:ln>
-            <a:noFill/>
-          </a:ln>
-        </p:spPr>
-      </p:pic>
-      <p:sp>
-        <p:nvSpPr>
-          <p:cNvPr id="245" name="Google Shape;245;p27"/>
-          <p:cNvSpPr txBox="1"/>
-          <p:nvPr/>
-        </p:nvSpPr>
-        <p:spPr>
-          <a:xfrm>
-            <a:off x="2479133" y="1404892"/>
-            <a:ext cx="3249600" cy="366400"/>
-          </a:xfrm>
-          <a:prstGeom prst="rect">
-            <a:avLst/>
-          </a:prstGeom>
-          <a:noFill/>
-          <a:ln>
-            <a:noFill/>
-          </a:ln>
-        </p:spPr>
-        <p:txBody>
-          <a:bodyPr spcFirstLastPara="1" wrap="square" lIns="121900" tIns="121900" rIns="121900" bIns="121900" anchor="t" anchorCtr="0">
-            <a:noAutofit/>
-          </a:bodyPr>
-          <a:lstStyle/>
-          <a:p>
-            <a:pPr algn="ctr"/>
-            <a:r>
-              <a:rPr lang="en" sz="2133" b="1"/>
-              <a:t>Nominal Speed</a:t>
-            </a:r>
-            <a:endParaRPr sz="2133" b="1"/>
-          </a:p>
-        </p:txBody>
-      </p:sp>
-      <p:sp>
-        <p:nvSpPr>
-          <p:cNvPr id="246" name="Google Shape;246;p27"/>
-          <p:cNvSpPr txBox="1"/>
-          <p:nvPr/>
-        </p:nvSpPr>
-        <p:spPr>
-          <a:xfrm>
-            <a:off x="6944659" y="1404900"/>
-            <a:ext cx="4002149" cy="366400"/>
-          </a:xfrm>
-          <a:prstGeom prst="rect">
-            <a:avLst/>
-          </a:prstGeom>
-          <a:noFill/>
-          <a:ln>
-            <a:noFill/>
-          </a:ln>
-        </p:spPr>
-        <p:txBody>
-          <a:bodyPr spcFirstLastPara="1" wrap="square" lIns="121900" tIns="121900" rIns="121900" bIns="121900" anchor="t" anchorCtr="0">
-            <a:noAutofit/>
-          </a:bodyPr>
-          <a:lstStyle/>
-          <a:p>
-            <a:pPr algn="ctr"/>
-            <a:r>
-              <a:rPr lang="en" sz="2133" b="1"/>
-              <a:t>95</a:t>
-            </a:r>
-            <a:r>
-              <a:rPr lang="en" sz="2133" b="1" baseline="30000"/>
-              <a:t>th </a:t>
-            </a:r>
-            <a:r>
-              <a:rPr lang="en" sz="2133" b="1"/>
-              <a:t>%ile Active Throughput</a:t>
-            </a:r>
-            <a:endParaRPr sz="2133" b="1"/>
-          </a:p>
-        </p:txBody>
-      </p:sp>
-    </p:spTree>
-    <p:extLst>
-      <p:ext uri="{BB962C8B-B14F-4D97-AF65-F5344CB8AC3E}">
-        <p14:creationId xmlns:p14="http://schemas.microsoft.com/office/powerpoint/2010/main" val="2384215046"/>
-      </p:ext>
-    </p:extLst>
-  </p:cSld>
-  <p:clrMapOvr>
-    <a:masterClrMapping/>
-  </p:clrMapOvr>
 </p:sld>
 </file>
 

--- a/docs/slides/3-performance.pptx
+++ b/docs/slides/3-performance.pptx
@@ -220,7 +220,7 @@
           <a:p>
             <a:fld id="{26C23BA1-C1FD-F54C-A91D-365911BB70A0}" type="datetimeFigureOut">
               <a:rPr lang="en-US" smtClean="0"/>
-              <a:t>10/4/22</a:t>
+              <a:t>10/6/22</a:t>
             </a:fld>
             <a:endParaRPr lang="en-US"/>
           </a:p>
@@ -5146,7 +5146,7 @@
           <a:p>
             <a:fld id="{6E174B13-2F4C-954D-BC49-D8D95C50C36E}" type="datetimeFigureOut">
               <a:rPr lang="en-US" smtClean="0"/>
-              <a:t>10/4/22</a:t>
+              <a:t>10/6/22</a:t>
             </a:fld>
             <a:endParaRPr lang="en-US"/>
           </a:p>
@@ -5344,7 +5344,7 @@
           <a:p>
             <a:fld id="{6E174B13-2F4C-954D-BC49-D8D95C50C36E}" type="datetimeFigureOut">
               <a:rPr lang="en-US" smtClean="0"/>
-              <a:t>10/4/22</a:t>
+              <a:t>10/6/22</a:t>
             </a:fld>
             <a:endParaRPr lang="en-US"/>
           </a:p>
@@ -5552,7 +5552,7 @@
           <a:p>
             <a:fld id="{6E174B13-2F4C-954D-BC49-D8D95C50C36E}" type="datetimeFigureOut">
               <a:rPr lang="en-US" smtClean="0"/>
-              <a:t>10/4/22</a:t>
+              <a:t>10/6/22</a:t>
             </a:fld>
             <a:endParaRPr lang="en-US"/>
           </a:p>
@@ -6402,7 +6402,7 @@
           <a:p>
             <a:fld id="{6E174B13-2F4C-954D-BC49-D8D95C50C36E}" type="datetimeFigureOut">
               <a:rPr lang="en-US" smtClean="0"/>
-              <a:t>10/4/22</a:t>
+              <a:t>10/6/22</a:t>
             </a:fld>
             <a:endParaRPr lang="en-US"/>
           </a:p>
@@ -6677,7 +6677,7 @@
           <a:p>
             <a:fld id="{6E174B13-2F4C-954D-BC49-D8D95C50C36E}" type="datetimeFigureOut">
               <a:rPr lang="en-US" smtClean="0"/>
-              <a:t>10/4/22</a:t>
+              <a:t>10/6/22</a:t>
             </a:fld>
             <a:endParaRPr lang="en-US"/>
           </a:p>
@@ -6942,7 +6942,7 @@
           <a:p>
             <a:fld id="{6E174B13-2F4C-954D-BC49-D8D95C50C36E}" type="datetimeFigureOut">
               <a:rPr lang="en-US" smtClean="0"/>
-              <a:t>10/4/22</a:t>
+              <a:t>10/6/22</a:t>
             </a:fld>
             <a:endParaRPr lang="en-US"/>
           </a:p>
@@ -7354,7 +7354,7 @@
           <a:p>
             <a:fld id="{6E174B13-2F4C-954D-BC49-D8D95C50C36E}" type="datetimeFigureOut">
               <a:rPr lang="en-US" smtClean="0"/>
-              <a:t>10/4/22</a:t>
+              <a:t>10/6/22</a:t>
             </a:fld>
             <a:endParaRPr lang="en-US"/>
           </a:p>
@@ -7495,7 +7495,7 @@
           <a:p>
             <a:fld id="{6E174B13-2F4C-954D-BC49-D8D95C50C36E}" type="datetimeFigureOut">
               <a:rPr lang="en-US" smtClean="0"/>
-              <a:t>10/4/22</a:t>
+              <a:t>10/6/22</a:t>
             </a:fld>
             <a:endParaRPr lang="en-US"/>
           </a:p>
@@ -7608,7 +7608,7 @@
           <a:p>
             <a:fld id="{6E174B13-2F4C-954D-BC49-D8D95C50C36E}" type="datetimeFigureOut">
               <a:rPr lang="en-US" smtClean="0"/>
-              <a:t>10/4/22</a:t>
+              <a:t>10/6/22</a:t>
             </a:fld>
             <a:endParaRPr lang="en-US"/>
           </a:p>
@@ -7919,7 +7919,7 @@
           <a:p>
             <a:fld id="{6E174B13-2F4C-954D-BC49-D8D95C50C36E}" type="datetimeFigureOut">
               <a:rPr lang="en-US" smtClean="0"/>
-              <a:t>10/4/22</a:t>
+              <a:t>10/6/22</a:t>
             </a:fld>
             <a:endParaRPr lang="en-US"/>
           </a:p>
@@ -8207,7 +8207,7 @@
           <a:p>
             <a:fld id="{6E174B13-2F4C-954D-BC49-D8D95C50C36E}" type="datetimeFigureOut">
               <a:rPr lang="en-US" smtClean="0"/>
-              <a:t>10/4/22</a:t>
+              <a:t>10/6/22</a:t>
             </a:fld>
             <a:endParaRPr lang="en-US"/>
           </a:p>
@@ -8448,7 +8448,7 @@
           <a:p>
             <a:fld id="{6E174B13-2F4C-954D-BC49-D8D95C50C36E}" type="datetimeFigureOut">
               <a:rPr lang="en-US" smtClean="0"/>
-              <a:t>10/4/22</a:t>
+              <a:t>10/6/22</a:t>
             </a:fld>
             <a:endParaRPr lang="en-US"/>
           </a:p>
@@ -14880,14 +14880,45 @@
           <a:lstStyle/>
           <a:p>
             <a:r>
-              <a:rPr lang="en" dirty="0">
+              <a:rPr lang="en" sz="3600" dirty="0">
                 <a:latin typeface="Open Sans" panose="020B0606030504020204" pitchFamily="34" charset="0"/>
                 <a:ea typeface="Open Sans" panose="020B0606030504020204" pitchFamily="34" charset="0"/>
                 <a:cs typeface="Open Sans" panose="020B0606030504020204" pitchFamily="34" charset="0"/>
               </a:rPr>
-              <a:t>Exercise 1 : Extracting features from network traffic</a:t>
-            </a:r>
-            <a:endParaRPr dirty="0">
+              <a:t>Hands-On</a:t>
+            </a:r>
+            <a:r>
+              <a:rPr lang="en" sz="3600">
+                <a:latin typeface="Open Sans" panose="020B0606030504020204" pitchFamily="34" charset="0"/>
+                <a:ea typeface="Open Sans" panose="020B0606030504020204" pitchFamily="34" charset="0"/>
+                <a:cs typeface="Open Sans" panose="020B0606030504020204" pitchFamily="34" charset="0"/>
+              </a:rPr>
+              <a:t>: </a:t>
+            </a:r>
+            <a:br>
+              <a:rPr lang="en" sz="3600">
+                <a:latin typeface="Open Sans" panose="020B0606030504020204" pitchFamily="34" charset="0"/>
+                <a:ea typeface="Open Sans" panose="020B0606030504020204" pitchFamily="34" charset="0"/>
+                <a:cs typeface="Open Sans" panose="020B0606030504020204" pitchFamily="34" charset="0"/>
+              </a:rPr>
+            </a:br>
+            <a:r>
+              <a:rPr lang="en" sz="3600">
+                <a:latin typeface="Open Sans" panose="020B0606030504020204" pitchFamily="34" charset="0"/>
+                <a:ea typeface="Open Sans" panose="020B0606030504020204" pitchFamily="34" charset="0"/>
+                <a:cs typeface="Open Sans" panose="020B0606030504020204" pitchFamily="34" charset="0"/>
+              </a:rPr>
+              <a:t>Extracting </a:t>
+            </a:r>
+            <a:r>
+              <a:rPr lang="en" sz="3600" dirty="0">
+                <a:latin typeface="Open Sans" panose="020B0606030504020204" pitchFamily="34" charset="0"/>
+                <a:ea typeface="Open Sans" panose="020B0606030504020204" pitchFamily="34" charset="0"/>
+                <a:cs typeface="Open Sans" panose="020B0606030504020204" pitchFamily="34" charset="0"/>
+              </a:rPr>
+              <a:t>Features from Network Traffic</a:t>
+            </a:r>
+            <a:endParaRPr sz="3600" dirty="0">
               <a:latin typeface="Open Sans" panose="020B0606030504020204" pitchFamily="34" charset="0"/>
               <a:ea typeface="Open Sans" panose="020B0606030504020204" pitchFamily="34" charset="0"/>
               <a:cs typeface="Open Sans" panose="020B0606030504020204" pitchFamily="34" charset="0"/>
@@ -14919,36 +14950,6 @@
             <a:noAutofit/>
           </a:bodyPr>
           <a:lstStyle/>
-          <a:p>
-            <a:pPr marL="0" indent="0">
-              <a:buNone/>
-            </a:pPr>
-            <a:r>
-              <a:rPr lang="en" sz="2400" u="sng" dirty="0">
-                <a:solidFill>
-                  <a:schemeClr val="hlink"/>
-                </a:solidFill>
-                <a:latin typeface="Open Sans" panose="020B0606030504020204" pitchFamily="34" charset="0"/>
-                <a:ea typeface="Open Sans" panose="020B0606030504020204" pitchFamily="34" charset="0"/>
-                <a:cs typeface="Open Sans" panose="020B0606030504020204" pitchFamily="34" charset="0"/>
-                <a:hlinkClick r:id="rId3"/>
-              </a:rPr>
-              <a:t>https://colab.research.google.com/drive/1SXfKNGJfLLb9J7WPf-IvKXXLrqT0khKb?usp=sharing</a:t>
-            </a:r>
-            <a:r>
-              <a:rPr lang="en" sz="2400" dirty="0">
-                <a:latin typeface="Open Sans" panose="020B0606030504020204" pitchFamily="34" charset="0"/>
-                <a:ea typeface="Open Sans" panose="020B0606030504020204" pitchFamily="34" charset="0"/>
-                <a:cs typeface="Open Sans" panose="020B0606030504020204" pitchFamily="34" charset="0"/>
-              </a:rPr>
-              <a:t> </a:t>
-            </a:r>
-            <a:endParaRPr sz="2400" dirty="0">
-              <a:latin typeface="Open Sans" panose="020B0606030504020204" pitchFamily="34" charset="0"/>
-              <a:ea typeface="Open Sans" panose="020B0606030504020204" pitchFamily="34" charset="0"/>
-              <a:cs typeface="Open Sans" panose="020B0606030504020204" pitchFamily="34" charset="0"/>
-            </a:endParaRPr>
-          </a:p>
           <a:p>
             <a:pPr marL="0" indent="0">
               <a:spcBef>

--- a/docs/slides/3-performance.pptx
+++ b/docs/slides/3-performance.pptx
@@ -14885,205 +14885,24 @@
                 <a:ea typeface="Open Sans" panose="020B0606030504020204" pitchFamily="34" charset="0"/>
                 <a:cs typeface="Open Sans" panose="020B0606030504020204" pitchFamily="34" charset="0"/>
               </a:rPr>
-              <a:t>Hands-On</a:t>
-            </a:r>
-            <a:r>
-              <a:rPr lang="en" sz="3600">
-                <a:latin typeface="Open Sans" panose="020B0606030504020204" pitchFamily="34" charset="0"/>
-                <a:ea typeface="Open Sans" panose="020B0606030504020204" pitchFamily="34" charset="0"/>
-                <a:cs typeface="Open Sans" panose="020B0606030504020204" pitchFamily="34" charset="0"/>
-              </a:rPr>
-              <a:t>: </a:t>
+              <a:t>Hands-On: </a:t>
             </a:r>
             <a:br>
-              <a:rPr lang="en" sz="3600">
+              <a:rPr lang="en" sz="3600" dirty="0">
                 <a:latin typeface="Open Sans" panose="020B0606030504020204" pitchFamily="34" charset="0"/>
                 <a:ea typeface="Open Sans" panose="020B0606030504020204" pitchFamily="34" charset="0"/>
                 <a:cs typeface="Open Sans" panose="020B0606030504020204" pitchFamily="34" charset="0"/>
               </a:rPr>
             </a:br>
             <a:r>
-              <a:rPr lang="en" sz="3600">
-                <a:latin typeface="Open Sans" panose="020B0606030504020204" pitchFamily="34" charset="0"/>
-                <a:ea typeface="Open Sans" panose="020B0606030504020204" pitchFamily="34" charset="0"/>
-                <a:cs typeface="Open Sans" panose="020B0606030504020204" pitchFamily="34" charset="0"/>
-              </a:rPr>
-              <a:t>Extracting </a:t>
-            </a:r>
-            <a:r>
               <a:rPr lang="en" sz="3600" dirty="0">
                 <a:latin typeface="Open Sans" panose="020B0606030504020204" pitchFamily="34" charset="0"/>
                 <a:ea typeface="Open Sans" panose="020B0606030504020204" pitchFamily="34" charset="0"/>
                 <a:cs typeface="Open Sans" panose="020B0606030504020204" pitchFamily="34" charset="0"/>
               </a:rPr>
-              <a:t>Features from Network Traffic</a:t>
+              <a:t>Extracting Features from Network Traffic</a:t>
             </a:r>
             <a:endParaRPr sz="3600" dirty="0">
-              <a:latin typeface="Open Sans" panose="020B0606030504020204" pitchFamily="34" charset="0"/>
-              <a:ea typeface="Open Sans" panose="020B0606030504020204" pitchFamily="34" charset="0"/>
-              <a:cs typeface="Open Sans" panose="020B0606030504020204" pitchFamily="34" charset="0"/>
-            </a:endParaRPr>
-          </a:p>
-        </p:txBody>
-      </p:sp>
-      <p:sp>
-        <p:nvSpPr>
-          <p:cNvPr id="854" name="Google Shape;854;p69"/>
-          <p:cNvSpPr txBox="1">
-            <a:spLocks noGrp="1"/>
-          </p:cNvSpPr>
-          <p:nvPr>
-            <p:ph type="body" idx="1"/>
-          </p:nvPr>
-        </p:nvSpPr>
-        <p:spPr>
-          <a:xfrm>
-            <a:off x="415600" y="1591223"/>
-            <a:ext cx="11360800" cy="4888800"/>
-          </a:xfrm>
-          <a:prstGeom prst="rect">
-            <a:avLst/>
-          </a:prstGeom>
-        </p:spPr>
-        <p:txBody>
-          <a:bodyPr spcFirstLastPara="1" vert="horz" wrap="square" lIns="121900" tIns="121900" rIns="121900" bIns="121900" rtlCol="0" anchor="t" anchorCtr="0">
-            <a:noAutofit/>
-          </a:bodyPr>
-          <a:lstStyle/>
-          <a:p>
-            <a:pPr marL="0" indent="0">
-              <a:spcBef>
-                <a:spcPts val="2133"/>
-              </a:spcBef>
-              <a:buNone/>
-            </a:pPr>
-            <a:r>
-              <a:rPr lang="en" sz="2400" b="1" dirty="0">
-                <a:latin typeface="Open Sans" panose="020B0606030504020204" pitchFamily="34" charset="0"/>
-                <a:ea typeface="Open Sans" panose="020B0606030504020204" pitchFamily="34" charset="0"/>
-                <a:cs typeface="Open Sans" panose="020B0606030504020204" pitchFamily="34" charset="0"/>
-              </a:rPr>
-              <a:t>GOAL: </a:t>
-            </a:r>
-            <a:r>
-              <a:rPr lang="en" sz="2400" dirty="0">
-                <a:latin typeface="Open Sans" panose="020B0606030504020204" pitchFamily="34" charset="0"/>
-                <a:ea typeface="Open Sans" panose="020B0606030504020204" pitchFamily="34" charset="0"/>
-                <a:cs typeface="Open Sans" panose="020B0606030504020204" pitchFamily="34" charset="0"/>
-              </a:rPr>
-              <a:t>learn the basics of how to extract information from a </a:t>
-            </a:r>
-            <a:r>
-              <a:rPr lang="en" sz="2400" dirty="0" err="1">
-                <a:latin typeface="Open Sans" panose="020B0606030504020204" pitchFamily="34" charset="0"/>
-                <a:ea typeface="Open Sans" panose="020B0606030504020204" pitchFamily="34" charset="0"/>
-                <a:cs typeface="Open Sans" panose="020B0606030504020204" pitchFamily="34" charset="0"/>
-              </a:rPr>
-              <a:t>pcap</a:t>
-            </a:r>
-            <a:r>
-              <a:rPr lang="en" sz="2400" dirty="0">
-                <a:latin typeface="Open Sans" panose="020B0606030504020204" pitchFamily="34" charset="0"/>
-                <a:ea typeface="Open Sans" panose="020B0606030504020204" pitchFamily="34" charset="0"/>
-                <a:cs typeface="Open Sans" panose="020B0606030504020204" pitchFamily="34" charset="0"/>
-              </a:rPr>
-              <a:t> trace</a:t>
-            </a:r>
-            <a:br>
-              <a:rPr lang="en" sz="2400" dirty="0">
-                <a:latin typeface="Open Sans" panose="020B0606030504020204" pitchFamily="34" charset="0"/>
-                <a:ea typeface="Open Sans" panose="020B0606030504020204" pitchFamily="34" charset="0"/>
-                <a:cs typeface="Open Sans" panose="020B0606030504020204" pitchFamily="34" charset="0"/>
-              </a:rPr>
-            </a:br>
-            <a:r>
-              <a:rPr lang="en" sz="2400" dirty="0">
-                <a:latin typeface="Open Sans" panose="020B0606030504020204" pitchFamily="34" charset="0"/>
-                <a:ea typeface="Open Sans" panose="020B0606030504020204" pitchFamily="34" charset="0"/>
-                <a:cs typeface="Open Sans" panose="020B0606030504020204" pitchFamily="34" charset="0"/>
-              </a:rPr>
-              <a:t>Read a </a:t>
-            </a:r>
-            <a:r>
-              <a:rPr lang="en" sz="2400" dirty="0" err="1">
-                <a:latin typeface="Open Sans" panose="020B0606030504020204" pitchFamily="34" charset="0"/>
-                <a:ea typeface="Open Sans" panose="020B0606030504020204" pitchFamily="34" charset="0"/>
-                <a:cs typeface="Open Sans" panose="020B0606030504020204" pitchFamily="34" charset="0"/>
-              </a:rPr>
-              <a:t>pcap</a:t>
-            </a:r>
-            <a:r>
-              <a:rPr lang="en" sz="2400" dirty="0">
-                <a:latin typeface="Open Sans" panose="020B0606030504020204" pitchFamily="34" charset="0"/>
-                <a:ea typeface="Open Sans" panose="020B0606030504020204" pitchFamily="34" charset="0"/>
-                <a:cs typeface="Open Sans" panose="020B0606030504020204" pitchFamily="34" charset="0"/>
-              </a:rPr>
-              <a:t> file</a:t>
-            </a:r>
-            <a:endParaRPr sz="2400" dirty="0">
-              <a:latin typeface="Open Sans" panose="020B0606030504020204" pitchFamily="34" charset="0"/>
-              <a:ea typeface="Open Sans" panose="020B0606030504020204" pitchFamily="34" charset="0"/>
-              <a:cs typeface="Open Sans" panose="020B0606030504020204" pitchFamily="34" charset="0"/>
-            </a:endParaRPr>
-          </a:p>
-          <a:p>
-            <a:pPr>
-              <a:lnSpc>
-                <a:spcPct val="200000"/>
-              </a:lnSpc>
-              <a:buAutoNum type="arabicPeriod"/>
-            </a:pPr>
-            <a:r>
-              <a:rPr lang="en" sz="2400" dirty="0">
-                <a:latin typeface="Open Sans" panose="020B0606030504020204" pitchFamily="34" charset="0"/>
-                <a:ea typeface="Open Sans" panose="020B0606030504020204" pitchFamily="34" charset="0"/>
-                <a:cs typeface="Open Sans" panose="020B0606030504020204" pitchFamily="34" charset="0"/>
-              </a:rPr>
-              <a:t>Identify service types using DNS</a:t>
-            </a:r>
-            <a:endParaRPr sz="2400" dirty="0">
-              <a:latin typeface="Open Sans" panose="020B0606030504020204" pitchFamily="34" charset="0"/>
-              <a:ea typeface="Open Sans" panose="020B0606030504020204" pitchFamily="34" charset="0"/>
-              <a:cs typeface="Open Sans" panose="020B0606030504020204" pitchFamily="34" charset="0"/>
-            </a:endParaRPr>
-          </a:p>
-          <a:p>
-            <a:pPr>
-              <a:lnSpc>
-                <a:spcPct val="200000"/>
-              </a:lnSpc>
-              <a:buAutoNum type="arabicPeriod"/>
-            </a:pPr>
-            <a:r>
-              <a:rPr lang="en" sz="2400" dirty="0">
-                <a:latin typeface="Open Sans" panose="020B0606030504020204" pitchFamily="34" charset="0"/>
-                <a:ea typeface="Open Sans" panose="020B0606030504020204" pitchFamily="34" charset="0"/>
-                <a:cs typeface="Open Sans" panose="020B0606030504020204" pitchFamily="34" charset="0"/>
-              </a:rPr>
-              <a:t>Calculate network counters</a:t>
-            </a:r>
-            <a:endParaRPr sz="2400" dirty="0">
-              <a:latin typeface="Open Sans" panose="020B0606030504020204" pitchFamily="34" charset="0"/>
-              <a:ea typeface="Open Sans" panose="020B0606030504020204" pitchFamily="34" charset="0"/>
-              <a:cs typeface="Open Sans" panose="020B0606030504020204" pitchFamily="34" charset="0"/>
-            </a:endParaRPr>
-          </a:p>
-          <a:p>
-            <a:pPr>
-              <a:lnSpc>
-                <a:spcPct val="200000"/>
-              </a:lnSpc>
-              <a:buAutoNum type="arabicPeriod"/>
-            </a:pPr>
-            <a:r>
-              <a:rPr lang="en" sz="2400" dirty="0">
-                <a:latin typeface="Open Sans" panose="020B0606030504020204" pitchFamily="34" charset="0"/>
-                <a:ea typeface="Open Sans" panose="020B0606030504020204" pitchFamily="34" charset="0"/>
-                <a:cs typeface="Open Sans" panose="020B0606030504020204" pitchFamily="34" charset="0"/>
-              </a:rPr>
-              <a:t>Infer video segment downloads</a:t>
-            </a:r>
-            <a:endParaRPr sz="2400" dirty="0">
               <a:latin typeface="Open Sans" panose="020B0606030504020204" pitchFamily="34" charset="0"/>
               <a:ea typeface="Open Sans" panose="020B0606030504020204" pitchFamily="34" charset="0"/>
               <a:cs typeface="Open Sans" panose="020B0606030504020204" pitchFamily="34" charset="0"/>
@@ -15184,14 +15003,14 @@
           <a:lstStyle/>
           <a:p>
             <a:r>
-              <a:rPr lang="en">
+              <a:rPr lang="en" dirty="0">
                 <a:latin typeface="Open Sans" panose="020B0606030504020204" pitchFamily="34" charset="0"/>
                 <a:ea typeface="Open Sans" panose="020B0606030504020204" pitchFamily="34" charset="0"/>
                 <a:cs typeface="Open Sans" panose="020B0606030504020204" pitchFamily="34" charset="0"/>
               </a:rPr>
-              <a:t>Exercise 2 : Creating video models </a:t>
-            </a:r>
-            <a:endParaRPr>
+              <a:t>Problem Set 1: Video Inference</a:t>
+            </a:r>
+            <a:endParaRPr dirty="0">
               <a:latin typeface="Open Sans" panose="020B0606030504020204" pitchFamily="34" charset="0"/>
               <a:ea typeface="Open Sans" panose="020B0606030504020204" pitchFamily="34" charset="0"/>
               <a:cs typeface="Open Sans" panose="020B0606030504020204" pitchFamily="34" charset="0"/>
@@ -15223,46 +15042,6 @@
             <a:noAutofit/>
           </a:bodyPr>
           <a:lstStyle/>
-          <a:p>
-            <a:pPr marL="0" indent="0">
-              <a:buClr>
-                <a:schemeClr val="dk1"/>
-              </a:buClr>
-              <a:buSzPts val="1100"/>
-              <a:buNone/>
-            </a:pPr>
-            <a:r>
-              <a:rPr lang="en" sz="2400" u="sng" dirty="0">
-                <a:solidFill>
-                  <a:schemeClr val="hlink"/>
-                </a:solidFill>
-                <a:latin typeface="Open Sans" panose="020B0606030504020204" pitchFamily="34" charset="0"/>
-                <a:ea typeface="Open Sans" panose="020B0606030504020204" pitchFamily="34" charset="0"/>
-                <a:cs typeface="Open Sans" panose="020B0606030504020204" pitchFamily="34" charset="0"/>
-                <a:hlinkClick r:id="rId3"/>
-              </a:rPr>
-              <a:t>https://colab.research.google.com/drive/1mjnjWv6xRIyNKQeePE5pbB4Xr6Be45p6?usp=sharing</a:t>
-            </a:r>
-            <a:r>
-              <a:rPr lang="en" sz="2400" dirty="0">
-                <a:solidFill>
-                  <a:schemeClr val="dk1"/>
-                </a:solidFill>
-                <a:latin typeface="Open Sans" panose="020B0606030504020204" pitchFamily="34" charset="0"/>
-                <a:ea typeface="Open Sans" panose="020B0606030504020204" pitchFamily="34" charset="0"/>
-                <a:cs typeface="Open Sans" panose="020B0606030504020204" pitchFamily="34" charset="0"/>
-              </a:rPr>
-              <a:t> </a:t>
-            </a:r>
-            <a:endParaRPr sz="2400" dirty="0">
-              <a:solidFill>
-                <a:schemeClr val="dk1"/>
-              </a:solidFill>
-              <a:latin typeface="Open Sans" panose="020B0606030504020204" pitchFamily="34" charset="0"/>
-              <a:ea typeface="Open Sans" panose="020B0606030504020204" pitchFamily="34" charset="0"/>
-              <a:cs typeface="Open Sans" panose="020B0606030504020204" pitchFamily="34" charset="0"/>
-            </a:endParaRPr>
-          </a:p>
           <a:p>
             <a:pPr marL="0" indent="0">
               <a:spcBef>

--- a/docs/slides/3-performance.pptx
+++ b/docs/slides/3-performance.pptx
@@ -14952,6 +14952,36 @@
           </a:p>
         </p:txBody>
       </p:sp>
+      <p:pic>
+        <p:nvPicPr>
+          <p:cNvPr id="4" name="Picture 3">
+            <a:extLst>
+              <a:ext uri="{FF2B5EF4-FFF2-40B4-BE49-F238E27FC236}">
+                <a16:creationId xmlns:a16="http://schemas.microsoft.com/office/drawing/2014/main" id="{6EED80ED-2B21-DD47-BB74-ADFABF96583C}"/>
+              </a:ext>
+            </a:extLst>
+          </p:cNvPr>
+          <p:cNvPicPr>
+            <a:picLocks noChangeAspect="1"/>
+          </p:cNvPicPr>
+          <p:nvPr/>
+        </p:nvPicPr>
+        <p:blipFill>
+          <a:blip r:embed="rId3"/>
+          <a:stretch>
+            <a:fillRect/>
+          </a:stretch>
+        </p:blipFill>
+        <p:spPr>
+          <a:xfrm>
+            <a:off x="1200149" y="1917700"/>
+            <a:ext cx="8496527" cy="3746500"/>
+          </a:xfrm>
+          <a:prstGeom prst="rect">
+            <a:avLst/>
+          </a:prstGeom>
+        </p:spPr>
+      </p:pic>
     </p:spTree>
   </p:cSld>
   <p:clrMapOvr>
